--- a/项目展示幻灯片/个人汇报 王岳.pptx
+++ b/项目展示幻灯片/个人汇报 王岳.pptx
@@ -6280,7 +6280,7 @@
                   <a:latin typeface="思源黑体 CN Light" panose="020B0300000000000000" pitchFamily="34" charset="-122"/>
                   <a:ea typeface="思源黑体 CN Light" panose="020B0300000000000000" pitchFamily="34" charset="-122"/>
                 </a:rPr>
-                <a:t>2022.7.9</a:t>
+                <a:t>2022.7.11</a:t>
               </a:r>
               <a:endParaRPr lang="zh-CN" altLang="en-US" sz="2000" b="0" dirty="0">
                 <a:solidFill>

--- a/项目展示幻灯片/个人汇报 王岳.pptx
+++ b/项目展示幻灯片/个人汇报 王岳.pptx
@@ -217,7 +217,7 @@
           <a:p>
             <a:fld id="{E4C1A6E0-828C-4A94-AAB9-3AACD3D859B8}" type="datetimeFigureOut">
               <a:rPr lang="zh-CN" altLang="en-US" smtClean="0"/>
-              <a:t>2022/7/9</a:t>
+              <a:t>2022/7/11</a:t>
             </a:fld>
             <a:endParaRPr lang="zh-CN" altLang="en-US"/>
           </a:p>
@@ -3575,6 +3575,36 @@
           <a:chExt cx="0" cy="0"/>
         </a:xfrm>
       </p:grpSpPr>
+      <p:pic>
+        <p:nvPicPr>
+          <p:cNvPr id="3" name="图片 2">
+            <a:extLst>
+              <a:ext uri="{FF2B5EF4-FFF2-40B4-BE49-F238E27FC236}">
+                <a16:creationId xmlns:a16="http://schemas.microsoft.com/office/drawing/2014/main" id="{CE10C664-8EAE-2A1C-F518-3DE369E41667}"/>
+              </a:ext>
+            </a:extLst>
+          </p:cNvPr>
+          <p:cNvPicPr>
+            <a:picLocks noChangeAspect="1"/>
+          </p:cNvPicPr>
+          <p:nvPr/>
+        </p:nvPicPr>
+        <p:blipFill>
+          <a:blip r:embed="rId3"/>
+          <a:stretch>
+            <a:fillRect/>
+          </a:stretch>
+        </p:blipFill>
+        <p:spPr>
+          <a:xfrm>
+            <a:off x="7252460" y="690327"/>
+            <a:ext cx="3859281" cy="6090991"/>
+          </a:xfrm>
+          <a:prstGeom prst="rect">
+            <a:avLst/>
+          </a:prstGeom>
+        </p:spPr>
+      </p:pic>
       <p:grpSp>
         <p:nvGrpSpPr>
           <p:cNvPr id="42" name="组合 41">
@@ -3761,7 +3791,7 @@
           <p:nvPr/>
         </p:nvPicPr>
         <p:blipFill>
-          <a:blip r:embed="rId3" cstate="print">
+          <a:blip r:embed="rId4" cstate="print">
             <a:extLst>
               <a:ext uri="{28A0092B-C50C-407E-A947-70E740481C1C}">
                 <a14:useLocalDpi xmlns:a14="http://schemas.microsoft.com/office/drawing/2010/main" val="0"/>
@@ -4425,6 +4455,98 @@
               </a:rPr>
               <a:t>负责样品管理服务的业务实现</a:t>
             </a:r>
+          </a:p>
+        </p:txBody>
+      </p:sp>
+      <p:sp>
+        <p:nvSpPr>
+          <p:cNvPr id="4" name="矩形: 圆角 3">
+            <a:extLst>
+              <a:ext uri="{FF2B5EF4-FFF2-40B4-BE49-F238E27FC236}">
+                <a16:creationId xmlns:a16="http://schemas.microsoft.com/office/drawing/2014/main" id="{95019F2B-2D9A-9809-B256-B4FB3A06D7C2}"/>
+              </a:ext>
+            </a:extLst>
+          </p:cNvPr>
+          <p:cNvSpPr/>
+          <p:nvPr/>
+        </p:nvSpPr>
+        <p:spPr>
+          <a:xfrm>
+            <a:off x="8186953" y="4442550"/>
+            <a:ext cx="824606" cy="333746"/>
+          </a:xfrm>
+          <a:prstGeom prst="roundRect">
+            <a:avLst/>
+          </a:prstGeom>
+          <a:noFill/>
+          <a:ln w="28575"/>
+        </p:spPr>
+        <p:style>
+          <a:lnRef idx="2">
+            <a:schemeClr val="accent1"/>
+          </a:lnRef>
+          <a:fillRef idx="1">
+            <a:schemeClr val="lt1"/>
+          </a:fillRef>
+          <a:effectRef idx="0">
+            <a:schemeClr val="accent1"/>
+          </a:effectRef>
+          <a:fontRef idx="minor">
+            <a:schemeClr val="dk1"/>
+          </a:fontRef>
+        </p:style>
+        <p:txBody>
+          <a:bodyPr rtlCol="0" anchor="ctr"/>
+          <a:lstStyle/>
+          <a:p>
+            <a:pPr algn="ctr"/>
+            <a:endParaRPr lang="zh-CN" altLang="en-US"/>
+          </a:p>
+        </p:txBody>
+      </p:sp>
+      <p:sp>
+        <p:nvSpPr>
+          <p:cNvPr id="18" name="矩形: 圆角 17">
+            <a:extLst>
+              <a:ext uri="{FF2B5EF4-FFF2-40B4-BE49-F238E27FC236}">
+                <a16:creationId xmlns:a16="http://schemas.microsoft.com/office/drawing/2014/main" id="{7C1AD29D-89B0-CDD1-8C24-5B6CB2F8E610}"/>
+              </a:ext>
+            </a:extLst>
+          </p:cNvPr>
+          <p:cNvSpPr/>
+          <p:nvPr/>
+        </p:nvSpPr>
+        <p:spPr>
+          <a:xfrm>
+            <a:off x="10243943" y="1133360"/>
+            <a:ext cx="773967" cy="1470554"/>
+          </a:xfrm>
+          <a:prstGeom prst="roundRect">
+            <a:avLst/>
+          </a:prstGeom>
+          <a:noFill/>
+          <a:ln w="28575"/>
+        </p:spPr>
+        <p:style>
+          <a:lnRef idx="2">
+            <a:schemeClr val="accent1"/>
+          </a:lnRef>
+          <a:fillRef idx="1">
+            <a:schemeClr val="lt1"/>
+          </a:fillRef>
+          <a:effectRef idx="0">
+            <a:schemeClr val="accent1"/>
+          </a:effectRef>
+          <a:fontRef idx="minor">
+            <a:schemeClr val="dk1"/>
+          </a:fontRef>
+        </p:style>
+        <p:txBody>
+          <a:bodyPr rtlCol="0" anchor="ctr"/>
+          <a:lstStyle/>
+          <a:p>
+            <a:pPr algn="ctr"/>
+            <a:endParaRPr lang="zh-CN" altLang="en-US"/>
           </a:p>
         </p:txBody>
       </p:sp>
@@ -5873,7 +5995,7 @@
         <p:spPr>
           <a:xfrm>
             <a:off x="1541131" y="1801199"/>
-            <a:ext cx="8312731" cy="3725507"/>
+            <a:ext cx="8312731" cy="4058932"/>
           </a:xfrm>
           <a:prstGeom prst="rect">
             <a:avLst/>
@@ -6066,7 +6188,7 @@
                 <a:latin typeface="思源黑体 CN Light" panose="020B0300000000000000" pitchFamily="34" charset="-122"/>
                 <a:ea typeface="思源黑体 CN Light" panose="020B0300000000000000" pitchFamily="34" charset="-122"/>
               </a:rPr>
-              <a:t>       最后，十分感谢我的小组成员对我开发中的遇到的一些问题的帮助，同时也感谢曹春老师、软件中心的王老师对我开发过程中产生的疑问的耐心解答。</a:t>
+              <a:t>       最后，十分感谢我的小组成员对我开发中的遇到的一些问题的帮助，同时也感谢曹春老师、张天老师、王林章老师、以及软件中心的王老师对我开发过程中产生的疑问的耐心解答。</a:t>
             </a:r>
             <a:endParaRPr lang="en-US" altLang="zh-CN" sz="1600" dirty="0">
               <a:solidFill>
